--- a/Functions/Apresentacao/Apresentação_Functions.pptx
+++ b/Functions/Apresentacao/Apresentação_Functions.pptx
@@ -206,7 +206,7 @@
           <a:p>
             <a:fld id="{0363B5EF-C2FE-4558-B393-3D874534693D}" type="datetimeFigureOut">
               <a:rPr lang="pt-BR" smtClean="0"/>
-              <a:t>11/08/2021</a:t>
+              <a:t>12/08/2021</a:t>
             </a:fld>
             <a:endParaRPr lang="pt-BR"/>
           </a:p>
@@ -353,7 +353,7 @@
           <a:p>
             <a:fld id="{5193A530-045E-4FBC-827D-EE4599172689}" type="datetimeFigureOut">
               <a:rPr lang="pt-BR" smtClean="0"/>
-              <a:t>11/08/2021</a:t>
+              <a:t>12/08/2021</a:t>
             </a:fld>
             <a:endParaRPr lang="pt-BR"/>
           </a:p>
@@ -1295,7 +1295,7 @@
           <a:p>
             <a:fld id="{5193A530-045E-4FBC-827D-EE4599172689}" type="datetimeFigureOut">
               <a:rPr lang="pt-BR" smtClean="0"/>
-              <a:t>11/08/2021</a:t>
+              <a:t>12/08/2021</a:t>
             </a:fld>
             <a:endParaRPr lang="pt-BR"/>
           </a:p>
@@ -1525,7 +1525,7 @@
           <a:p>
             <a:fld id="{5193A530-045E-4FBC-827D-EE4599172689}" type="datetimeFigureOut">
               <a:rPr lang="pt-BR" smtClean="0"/>
-              <a:t>11/08/2021</a:t>
+              <a:t>12/08/2021</a:t>
             </a:fld>
             <a:endParaRPr lang="pt-BR"/>
           </a:p>
@@ -1765,7 +1765,7 @@
           <a:p>
             <a:fld id="{5193A530-045E-4FBC-827D-EE4599172689}" type="datetimeFigureOut">
               <a:rPr lang="pt-BR" smtClean="0"/>
-              <a:t>11/08/2021</a:t>
+              <a:t>12/08/2021</a:t>
             </a:fld>
             <a:endParaRPr lang="pt-BR"/>
           </a:p>
@@ -2003,7 +2003,7 @@
           <a:p>
             <a:fld id="{5193A530-045E-4FBC-827D-EE4599172689}" type="datetimeFigureOut">
               <a:rPr lang="pt-BR" smtClean="0"/>
-              <a:t>11/08/2021</a:t>
+              <a:t>12/08/2021</a:t>
             </a:fld>
             <a:endParaRPr lang="pt-BR"/>
           </a:p>
@@ -2204,7 +2204,7 @@
           <a:p>
             <a:fld id="{5193A530-045E-4FBC-827D-EE4599172689}" type="datetimeFigureOut">
               <a:rPr lang="pt-BR" smtClean="0"/>
-              <a:t>11/08/2021</a:t>
+              <a:t>12/08/2021</a:t>
             </a:fld>
             <a:endParaRPr lang="pt-BR"/>
           </a:p>
@@ -2477,7 +2477,7 @@
           <a:p>
             <a:fld id="{5193A530-045E-4FBC-827D-EE4599172689}" type="datetimeFigureOut">
               <a:rPr lang="pt-BR" smtClean="0"/>
-              <a:t>11/08/2021</a:t>
+              <a:t>12/08/2021</a:t>
             </a:fld>
             <a:endParaRPr lang="pt-BR"/>
           </a:p>
@@ -3170,7 +3170,7 @@
           <a:p>
             <a:fld id="{5193A530-045E-4FBC-827D-EE4599172689}" type="datetimeFigureOut">
               <a:rPr lang="pt-BR" smtClean="0"/>
-              <a:t>11/08/2021</a:t>
+              <a:t>12/08/2021</a:t>
             </a:fld>
             <a:endParaRPr lang="pt-BR"/>
           </a:p>
@@ -3597,7 +3597,7 @@
           <a:p>
             <a:fld id="{5193A530-045E-4FBC-827D-EE4599172689}" type="datetimeFigureOut">
               <a:rPr lang="pt-BR" smtClean="0"/>
-              <a:t>11/08/2021</a:t>
+              <a:t>12/08/2021</a:t>
             </a:fld>
             <a:endParaRPr lang="pt-BR"/>
           </a:p>
@@ -3775,7 +3775,7 @@
           <a:p>
             <a:fld id="{5193A530-045E-4FBC-827D-EE4599172689}" type="datetimeFigureOut">
               <a:rPr lang="pt-BR" smtClean="0"/>
-              <a:t>11/08/2021</a:t>
+              <a:t>12/08/2021</a:t>
             </a:fld>
             <a:endParaRPr lang="pt-BR"/>
           </a:p>
@@ -3930,7 +3930,7 @@
           <a:p>
             <a:fld id="{5193A530-045E-4FBC-827D-EE4599172689}" type="datetimeFigureOut">
               <a:rPr lang="pt-BR" smtClean="0"/>
-              <a:t>11/08/2021</a:t>
+              <a:t>12/08/2021</a:t>
             </a:fld>
             <a:endParaRPr lang="pt-BR"/>
           </a:p>
@@ -4267,7 +4267,7 @@
           <a:p>
             <a:fld id="{5193A530-045E-4FBC-827D-EE4599172689}" type="datetimeFigureOut">
               <a:rPr lang="pt-BR" smtClean="0"/>
-              <a:t>11/08/2021</a:t>
+              <a:t>12/08/2021</a:t>
             </a:fld>
             <a:endParaRPr lang="pt-BR"/>
           </a:p>
@@ -4519,7 +4519,7 @@
           <a:p>
             <a:fld id="{5193A530-045E-4FBC-827D-EE4599172689}" type="datetimeFigureOut">
               <a:rPr lang="pt-BR" smtClean="0"/>
-              <a:t>11/08/2021</a:t>
+              <a:t>12/08/2021</a:t>
             </a:fld>
             <a:endParaRPr lang="pt-BR"/>
           </a:p>
@@ -5498,7 +5498,21 @@
                 <a:effectLst/>
                 <a:latin typeface="Montserrat" panose="00000500000000000000"/>
               </a:rPr>
-              <a:t>As funções com valor de tabela definidas são funções definidas pelo usuário retornam um tipo de dados </a:t>
+              <a:t>As funções com valor de tabela definidas são funções definidas pelo </a:t>
+            </a:r>
+            <a:r>
+              <a:rPr lang="pt-BR" sz="2400" b="0" i="0">
+                <a:effectLst/>
+                <a:latin typeface="Montserrat" panose="00000500000000000000"/>
+              </a:rPr>
+              <a:t>usuário retornam </a:t>
+            </a:r>
+            <a:r>
+              <a:rPr lang="pt-BR" sz="2400" b="0" i="0" dirty="0">
+                <a:effectLst/>
+                <a:latin typeface="Montserrat" panose="00000500000000000000"/>
+              </a:rPr>
+              <a:t>um tipo de dados </a:t>
             </a:r>
             <a:r>
               <a:rPr lang="pt-BR" sz="2400" i="0" dirty="0" err="1">
@@ -6617,8 +6631,16 @@
 <file path=customXml/itemProps1.xml><?xml version="1.0" encoding="utf-8"?>
 <ds:datastoreItem xmlns:ds="http://schemas.openxmlformats.org/officeDocument/2006/customXml" ds:itemID="{7598036D-8F24-4150-8883-4040B39D685E}">
   <ds:schemaRefs>
+    <ds:schemaRef ds:uri="http://www.w3.org/XML/1998/namespace"/>
+    <ds:schemaRef ds:uri="http://purl.org/dc/dcmitype/"/>
+    <ds:schemaRef ds:uri="http://schemas.microsoft.com/office/2006/documentManagement/types"/>
+    <ds:schemaRef ds:uri="http://schemas.microsoft.com/office/infopath/2007/PartnerControls"/>
+    <ds:schemaRef ds:uri="56135199-fddc-46f9-8522-4d2f2df906d6"/>
+    <ds:schemaRef ds:uri="http://schemas.openxmlformats.org/package/2006/metadata/core-properties"/>
+    <ds:schemaRef ds:uri="616ddcb6-37a4-4b68-9e62-eadd2126515b"/>
     <ds:schemaRef ds:uri="http://schemas.microsoft.com/office/2006/metadata/properties"/>
-    <ds:schemaRef ds:uri="http://schemas.microsoft.com/office/infopath/2007/PartnerControls"/>
+    <ds:schemaRef ds:uri="http://purl.org/dc/terms/"/>
+    <ds:schemaRef ds:uri="http://purl.org/dc/elements/1.1/"/>
   </ds:schemaRefs>
 </ds:datastoreItem>
 </file>
